--- a/images/gen.pptx
+++ b/images/gen.pptx
@@ -7,6 +7,7 @@
   <p:sldIdLst>
     <p:sldId id="256" r:id="rId2"/>
     <p:sldId id="257" r:id="rId3"/>
+    <p:sldId id="258" r:id="rId4"/>
   </p:sldIdLst>
   <p:sldSz cx="12192000" cy="6858000"/>
   <p:notesSz cx="6858000" cy="9144000"/>
@@ -260,7 +261,7 @@
           <a:p>
             <a:fld id="{88D08740-8C31-44B9-B54A-8249F8E5ADE9}" type="datetimeFigureOut">
               <a:rPr lang="en-US" smtClean="0"/>
-              <a:t>8/12/2021</a:t>
+              <a:t>8/31/2021</a:t>
             </a:fld>
             <a:endParaRPr lang="en-US"/>
           </a:p>
@@ -458,7 +459,7 @@
           <a:p>
             <a:fld id="{88D08740-8C31-44B9-B54A-8249F8E5ADE9}" type="datetimeFigureOut">
               <a:rPr lang="en-US" smtClean="0"/>
-              <a:t>8/12/2021</a:t>
+              <a:t>8/31/2021</a:t>
             </a:fld>
             <a:endParaRPr lang="en-US"/>
           </a:p>
@@ -666,7 +667,7 @@
           <a:p>
             <a:fld id="{88D08740-8C31-44B9-B54A-8249F8E5ADE9}" type="datetimeFigureOut">
               <a:rPr lang="en-US" smtClean="0"/>
-              <a:t>8/12/2021</a:t>
+              <a:t>8/31/2021</a:t>
             </a:fld>
             <a:endParaRPr lang="en-US"/>
           </a:p>
@@ -864,7 +865,7 @@
           <a:p>
             <a:fld id="{88D08740-8C31-44B9-B54A-8249F8E5ADE9}" type="datetimeFigureOut">
               <a:rPr lang="en-US" smtClean="0"/>
-              <a:t>8/12/2021</a:t>
+              <a:t>8/31/2021</a:t>
             </a:fld>
             <a:endParaRPr lang="en-US"/>
           </a:p>
@@ -1139,7 +1140,7 @@
           <a:p>
             <a:fld id="{88D08740-8C31-44B9-B54A-8249F8E5ADE9}" type="datetimeFigureOut">
               <a:rPr lang="en-US" smtClean="0"/>
-              <a:t>8/12/2021</a:t>
+              <a:t>8/31/2021</a:t>
             </a:fld>
             <a:endParaRPr lang="en-US"/>
           </a:p>
@@ -1404,7 +1405,7 @@
           <a:p>
             <a:fld id="{88D08740-8C31-44B9-B54A-8249F8E5ADE9}" type="datetimeFigureOut">
               <a:rPr lang="en-US" smtClean="0"/>
-              <a:t>8/12/2021</a:t>
+              <a:t>8/31/2021</a:t>
             </a:fld>
             <a:endParaRPr lang="en-US"/>
           </a:p>
@@ -1816,7 +1817,7 @@
           <a:p>
             <a:fld id="{88D08740-8C31-44B9-B54A-8249F8E5ADE9}" type="datetimeFigureOut">
               <a:rPr lang="en-US" smtClean="0"/>
-              <a:t>8/12/2021</a:t>
+              <a:t>8/31/2021</a:t>
             </a:fld>
             <a:endParaRPr lang="en-US"/>
           </a:p>
@@ -1957,7 +1958,7 @@
           <a:p>
             <a:fld id="{88D08740-8C31-44B9-B54A-8249F8E5ADE9}" type="datetimeFigureOut">
               <a:rPr lang="en-US" smtClean="0"/>
-              <a:t>8/12/2021</a:t>
+              <a:t>8/31/2021</a:t>
             </a:fld>
             <a:endParaRPr lang="en-US"/>
           </a:p>
@@ -2070,7 +2071,7 @@
           <a:p>
             <a:fld id="{88D08740-8C31-44B9-B54A-8249F8E5ADE9}" type="datetimeFigureOut">
               <a:rPr lang="en-US" smtClean="0"/>
-              <a:t>8/12/2021</a:t>
+              <a:t>8/31/2021</a:t>
             </a:fld>
             <a:endParaRPr lang="en-US"/>
           </a:p>
@@ -2381,7 +2382,7 @@
           <a:p>
             <a:fld id="{88D08740-8C31-44B9-B54A-8249F8E5ADE9}" type="datetimeFigureOut">
               <a:rPr lang="en-US" smtClean="0"/>
-              <a:t>8/12/2021</a:t>
+              <a:t>8/31/2021</a:t>
             </a:fld>
             <a:endParaRPr lang="en-US"/>
           </a:p>
@@ -2669,7 +2670,7 @@
           <a:p>
             <a:fld id="{88D08740-8C31-44B9-B54A-8249F8E5ADE9}" type="datetimeFigureOut">
               <a:rPr lang="en-US" smtClean="0"/>
-              <a:t>8/12/2021</a:t>
+              <a:t>8/31/2021</a:t>
             </a:fld>
             <a:endParaRPr lang="en-US"/>
           </a:p>
@@ -2910,7 +2911,7 @@
           <a:p>
             <a:fld id="{88D08740-8C31-44B9-B54A-8249F8E5ADE9}" type="datetimeFigureOut">
               <a:rPr lang="en-US" smtClean="0"/>
-              <a:t>8/12/2021</a:t>
+              <a:t>8/31/2021</a:t>
             </a:fld>
             <a:endParaRPr lang="en-US"/>
           </a:p>
@@ -3735,8 +3736,8 @@
         </p:blipFill>
         <p:spPr>
           <a:xfrm>
-            <a:off x="3277772" y="2517723"/>
-            <a:ext cx="2083777" cy="2082413"/>
+            <a:off x="562707" y="1682870"/>
+            <a:ext cx="3294390" cy="3292234"/>
           </a:xfrm>
           <a:prstGeom prst="ellipse">
             <a:avLst/>
@@ -3752,6 +3753,67 @@
     <p:extLst>
       <p:ext uri="{BB962C8B-B14F-4D97-AF65-F5344CB8AC3E}">
         <p14:creationId xmlns:p14="http://schemas.microsoft.com/office/powerpoint/2010/main" val="3910605621"/>
+      </p:ext>
+    </p:extLst>
+  </p:cSld>
+  <p:clrMapOvr>
+    <a:masterClrMapping/>
+  </p:clrMapOvr>
+</p:sld>
+</file>
+
+<file path=ppt/slides/slide3.xml><?xml version="1.0" encoding="utf-8"?>
+<p:sld xmlns:a="http://schemas.openxmlformats.org/drawingml/2006/main" xmlns:r="http://schemas.openxmlformats.org/officeDocument/2006/relationships" xmlns:p="http://schemas.openxmlformats.org/presentationml/2006/main">
+  <p:cSld>
+    <p:spTree>
+      <p:nvGrpSpPr>
+        <p:cNvPr id="1" name=""/>
+        <p:cNvGrpSpPr/>
+        <p:nvPr/>
+      </p:nvGrpSpPr>
+      <p:grpSpPr>
+        <a:xfrm>
+          <a:off x="0" y="0"/>
+          <a:ext cx="0" cy="0"/>
+          <a:chOff x="0" y="0"/>
+          <a:chExt cx="0" cy="0"/>
+        </a:xfrm>
+      </p:grpSpPr>
+      <p:pic>
+        <p:nvPicPr>
+          <p:cNvPr id="7" name="Picture 6">
+            <a:extLst>
+              <a:ext uri="{FF2B5EF4-FFF2-40B4-BE49-F238E27FC236}">
+                <a16:creationId xmlns:a16="http://schemas.microsoft.com/office/drawing/2014/main" id="{2E483D76-B039-4F3D-B605-D974D712FE78}"/>
+              </a:ext>
+            </a:extLst>
+          </p:cNvPr>
+          <p:cNvPicPr>
+            <a:picLocks noChangeAspect="1"/>
+          </p:cNvPicPr>
+          <p:nvPr/>
+        </p:nvPicPr>
+        <p:blipFill rotWithShape="1">
+          <a:blip r:embed="rId2"/>
+          <a:srcRect l="7977" r="1131"/>
+          <a:stretch/>
+        </p:blipFill>
+        <p:spPr>
+          <a:xfrm>
+            <a:off x="486228" y="1828800"/>
+            <a:ext cx="11081658" cy="3200400"/>
+          </a:xfrm>
+          <a:prstGeom prst="roundRect">
+            <a:avLst>
+              <a:gd name="adj" fmla="val 4876"/>
+            </a:avLst>
+          </a:prstGeom>
+        </p:spPr>
+      </p:pic>
+    </p:spTree>
+    <p:extLst>
+      <p:ext uri="{BB962C8B-B14F-4D97-AF65-F5344CB8AC3E}">
+        <p14:creationId xmlns:p14="http://schemas.microsoft.com/office/powerpoint/2010/main" val="1287442351"/>
       </p:ext>
     </p:extLst>
   </p:cSld>
